--- a/21. Ciclo de vida.pptx
+++ b/21. Ciclo de vida.pptx
@@ -7,6 +7,7 @@
   <p:sldIdLst>
     <p:sldId id="256" r:id="rId2"/>
     <p:sldId id="257" r:id="rId3"/>
+    <p:sldId id="258" r:id="rId4"/>
   </p:sldIdLst>
   <p:sldSz cx="12192000" cy="6858000"/>
   <p:notesSz cx="6858000" cy="9144000"/>
@@ -105,6 +106,11 @@
       </a:defRPr>
     </a:lvl9pPr>
   </p:defaultTextStyle>
+  <p:extLst>
+    <p:ext uri="{EFAFB233-063F-42B5-8137-9DF3F51BA10A}">
+      <p15:sldGuideLst xmlns:p15="http://schemas.microsoft.com/office/powerpoint/2012/main"/>
+    </p:ext>
+  </p:extLst>
 </p:presentation>
 </file>
 
@@ -255,7 +261,7 @@
           <a:p>
             <a:fld id="{F878A88B-3543-4D40-B2E5-B9E8E4CF3F63}" type="datetimeFigureOut">
               <a:rPr lang="pt-BR" smtClean="0"/>
-              <a:t>21/10/2020</a:t>
+              <a:t>12/11/2020</a:t>
             </a:fld>
             <a:endParaRPr lang="pt-BR"/>
           </a:p>
@@ -453,7 +459,7 @@
           <a:p>
             <a:fld id="{F878A88B-3543-4D40-B2E5-B9E8E4CF3F63}" type="datetimeFigureOut">
               <a:rPr lang="pt-BR" smtClean="0"/>
-              <a:t>21/10/2020</a:t>
+              <a:t>12/11/2020</a:t>
             </a:fld>
             <a:endParaRPr lang="pt-BR"/>
           </a:p>
@@ -661,7 +667,7 @@
           <a:p>
             <a:fld id="{F878A88B-3543-4D40-B2E5-B9E8E4CF3F63}" type="datetimeFigureOut">
               <a:rPr lang="pt-BR" smtClean="0"/>
-              <a:t>21/10/2020</a:t>
+              <a:t>12/11/2020</a:t>
             </a:fld>
             <a:endParaRPr lang="pt-BR"/>
           </a:p>
@@ -859,7 +865,7 @@
           <a:p>
             <a:fld id="{F878A88B-3543-4D40-B2E5-B9E8E4CF3F63}" type="datetimeFigureOut">
               <a:rPr lang="pt-BR" smtClean="0"/>
-              <a:t>21/10/2020</a:t>
+              <a:t>12/11/2020</a:t>
             </a:fld>
             <a:endParaRPr lang="pt-BR"/>
           </a:p>
@@ -1134,7 +1140,7 @@
           <a:p>
             <a:fld id="{F878A88B-3543-4D40-B2E5-B9E8E4CF3F63}" type="datetimeFigureOut">
               <a:rPr lang="pt-BR" smtClean="0"/>
-              <a:t>21/10/2020</a:t>
+              <a:t>12/11/2020</a:t>
             </a:fld>
             <a:endParaRPr lang="pt-BR"/>
           </a:p>
@@ -1399,7 +1405,7 @@
           <a:p>
             <a:fld id="{F878A88B-3543-4D40-B2E5-B9E8E4CF3F63}" type="datetimeFigureOut">
               <a:rPr lang="pt-BR" smtClean="0"/>
-              <a:t>21/10/2020</a:t>
+              <a:t>12/11/2020</a:t>
             </a:fld>
             <a:endParaRPr lang="pt-BR"/>
           </a:p>
@@ -1811,7 +1817,7 @@
           <a:p>
             <a:fld id="{F878A88B-3543-4D40-B2E5-B9E8E4CF3F63}" type="datetimeFigureOut">
               <a:rPr lang="pt-BR" smtClean="0"/>
-              <a:t>21/10/2020</a:t>
+              <a:t>12/11/2020</a:t>
             </a:fld>
             <a:endParaRPr lang="pt-BR"/>
           </a:p>
@@ -1952,7 +1958,7 @@
           <a:p>
             <a:fld id="{F878A88B-3543-4D40-B2E5-B9E8E4CF3F63}" type="datetimeFigureOut">
               <a:rPr lang="pt-BR" smtClean="0"/>
-              <a:t>21/10/2020</a:t>
+              <a:t>12/11/2020</a:t>
             </a:fld>
             <a:endParaRPr lang="pt-BR"/>
           </a:p>
@@ -2065,7 +2071,7 @@
           <a:p>
             <a:fld id="{F878A88B-3543-4D40-B2E5-B9E8E4CF3F63}" type="datetimeFigureOut">
               <a:rPr lang="pt-BR" smtClean="0"/>
-              <a:t>21/10/2020</a:t>
+              <a:t>12/11/2020</a:t>
             </a:fld>
             <a:endParaRPr lang="pt-BR"/>
           </a:p>
@@ -2376,7 +2382,7 @@
           <a:p>
             <a:fld id="{F878A88B-3543-4D40-B2E5-B9E8E4CF3F63}" type="datetimeFigureOut">
               <a:rPr lang="pt-BR" smtClean="0"/>
-              <a:t>21/10/2020</a:t>
+              <a:t>12/11/2020</a:t>
             </a:fld>
             <a:endParaRPr lang="pt-BR"/>
           </a:p>
@@ -2664,7 +2670,7 @@
           <a:p>
             <a:fld id="{F878A88B-3543-4D40-B2E5-B9E8E4CF3F63}" type="datetimeFigureOut">
               <a:rPr lang="pt-BR" smtClean="0"/>
-              <a:t>21/10/2020</a:t>
+              <a:t>12/11/2020</a:t>
             </a:fld>
             <a:endParaRPr lang="pt-BR"/>
           </a:p>
@@ -2905,7 +2911,7 @@
           <a:p>
             <a:fld id="{F878A88B-3543-4D40-B2E5-B9E8E4CF3F63}" type="datetimeFigureOut">
               <a:rPr lang="pt-BR" smtClean="0"/>
-              <a:t>21/10/2020</a:t>
+              <a:t>12/11/2020</a:t>
             </a:fld>
             <a:endParaRPr lang="pt-BR"/>
           </a:p>
@@ -3324,10 +3330,10 @@
       </p:grpSpPr>
       <p:pic>
         <p:nvPicPr>
-          <p:cNvPr id="5" name="Imagem 4">
-            <a:extLst>
-              <a:ext uri="{FF2B5EF4-FFF2-40B4-BE49-F238E27FC236}">
-                <a16:creationId xmlns:a16="http://schemas.microsoft.com/office/drawing/2014/main" id="{B8781DB4-CE57-4A23-8EA3-9DB9A196F3A0}"/>
+          <p:cNvPr id="3" name="Imagem 2">
+            <a:extLst>
+              <a:ext uri="{FF2B5EF4-FFF2-40B4-BE49-F238E27FC236}">
+                <a16:creationId xmlns:a16="http://schemas.microsoft.com/office/drawing/2014/main" id="{130AA2DD-A0BB-4FA0-AF42-E6CE15ED3ED1}"/>
               </a:ext>
             </a:extLst>
           </p:cNvPr>
@@ -3350,8 +3356,8 @@
         </p:blipFill>
         <p:spPr>
           <a:xfrm>
-            <a:off x="2595419" y="708024"/>
-            <a:ext cx="5460134" cy="4792519"/>
+            <a:off x="3559248" y="323239"/>
+            <a:ext cx="4486275" cy="5657850"/>
           </a:xfrm>
           <a:prstGeom prst="rect">
             <a:avLst/>
@@ -3393,7 +3399,7 @@
           <p:cNvPr id="3" name="Imagem 2">
             <a:extLst>
               <a:ext uri="{FF2B5EF4-FFF2-40B4-BE49-F238E27FC236}">
-                <a16:creationId xmlns:a16="http://schemas.microsoft.com/office/drawing/2014/main" id="{FAFC2418-8DB3-4955-B0C1-1DB033E658AC}"/>
+                <a16:creationId xmlns:a16="http://schemas.microsoft.com/office/drawing/2014/main" id="{68529FDF-62C0-4E56-9261-484D8F39AFAB}"/>
               </a:ext>
             </a:extLst>
           </p:cNvPr>
@@ -3416,8 +3422,8 @@
         </p:blipFill>
         <p:spPr>
           <a:xfrm>
-            <a:off x="2373746" y="621629"/>
-            <a:ext cx="5811116" cy="5100587"/>
+            <a:off x="3427295" y="474240"/>
+            <a:ext cx="4448175" cy="5657850"/>
           </a:xfrm>
           <a:prstGeom prst="rect">
             <a:avLst/>
@@ -3427,7 +3433,100 @@
     </p:spTree>
     <p:extLst>
       <p:ext uri="{BB962C8B-B14F-4D97-AF65-F5344CB8AC3E}">
-        <p14:creationId xmlns:p14="http://schemas.microsoft.com/office/powerpoint/2010/main" val="3195302662"/>
+        <p14:creationId xmlns:p14="http://schemas.microsoft.com/office/powerpoint/2010/main" val="2428384182"/>
+      </p:ext>
+    </p:extLst>
+  </p:cSld>
+  <p:clrMapOvr>
+    <a:masterClrMapping/>
+  </p:clrMapOvr>
+</p:sld>
+</file>
+
+<file path=ppt/slides/slide3.xml><?xml version="1.0" encoding="utf-8"?>
+<p:sld xmlns:a="http://schemas.openxmlformats.org/drawingml/2006/main" xmlns:r="http://schemas.openxmlformats.org/officeDocument/2006/relationships" xmlns:p="http://schemas.openxmlformats.org/presentationml/2006/main">
+  <p:cSld>
+    <p:spTree>
+      <p:nvGrpSpPr>
+        <p:cNvPr id="1" name=""/>
+        <p:cNvGrpSpPr/>
+        <p:nvPr/>
+      </p:nvGrpSpPr>
+      <p:grpSpPr>
+        <a:xfrm>
+          <a:off x="0" y="0"/>
+          <a:ext cx="0" cy="0"/>
+          <a:chOff x="0" y="0"/>
+          <a:chExt cx="0" cy="0"/>
+        </a:xfrm>
+      </p:grpSpPr>
+      <p:graphicFrame>
+        <p:nvGraphicFramePr>
+          <p:cNvPr id="2" name="Objeto 1">
+            <a:extLst>
+              <a:ext uri="{FF2B5EF4-FFF2-40B4-BE49-F238E27FC236}">
+                <a16:creationId xmlns:a16="http://schemas.microsoft.com/office/drawing/2014/main" id="{DDC110A2-E630-4ADE-BC1B-2A65EE60BC8E}"/>
+              </a:ext>
+            </a:extLst>
+          </p:cNvPr>
+          <p:cNvGraphicFramePr>
+            <a:graphicFrameLocks noChangeAspect="1"/>
+          </p:cNvGraphicFramePr>
+          <p:nvPr>
+            <p:extLst>
+              <p:ext uri="{D42A27DB-BD31-4B8C-83A1-F6EECF244321}">
+                <p14:modId xmlns:p14="http://schemas.microsoft.com/office/powerpoint/2010/main" val="2888657996"/>
+              </p:ext>
+            </p:extLst>
+          </p:nvPr>
+        </p:nvGraphicFramePr>
+        <p:xfrm>
+          <a:off x="3044999" y="419245"/>
+          <a:ext cx="5638800" cy="5410200"/>
+        </p:xfrm>
+        <a:graphic>
+          <a:graphicData uri="http://schemas.openxmlformats.org/presentationml/2006/ole">
+            <mc:AlternateContent xmlns:mc="http://schemas.openxmlformats.org/markup-compatibility/2006">
+              <mc:Choice xmlns:v="urn:schemas-microsoft-com:vml" Requires="v">
+                <p:oleObj spid="_x0000_s1031" name="Visio" r:id="rId3" imgW="5638795" imgH="5410159" progId="Visio.Drawing.15">
+                  <p:embed/>
+                </p:oleObj>
+              </mc:Choice>
+              <mc:Fallback>
+                <p:oleObj name="Visio" r:id="rId3" imgW="5638795" imgH="5410159" progId="Visio.Drawing.15">
+                  <p:embed/>
+                  <p:pic>
+                    <p:nvPicPr>
+                      <p:cNvPr id="0" name=""/>
+                      <p:cNvPicPr/>
+                      <p:nvPr/>
+                    </p:nvPicPr>
+                    <p:blipFill>
+                      <a:blip r:embed="rId4"/>
+                      <a:stretch>
+                        <a:fillRect/>
+                      </a:stretch>
+                    </p:blipFill>
+                    <p:spPr>
+                      <a:xfrm>
+                        <a:off x="3044999" y="419245"/>
+                        <a:ext cx="5638800" cy="5410200"/>
+                      </a:xfrm>
+                      <a:prstGeom prst="rect">
+                        <a:avLst/>
+                      </a:prstGeom>
+                    </p:spPr>
+                  </p:pic>
+                </p:oleObj>
+              </mc:Fallback>
+            </mc:AlternateContent>
+          </a:graphicData>
+        </a:graphic>
+      </p:graphicFrame>
+    </p:spTree>
+    <p:extLst>
+      <p:ext uri="{BB962C8B-B14F-4D97-AF65-F5344CB8AC3E}">
+        <p14:creationId xmlns:p14="http://schemas.microsoft.com/office/powerpoint/2010/main" val="296200388"/>
       </p:ext>
     </p:extLst>
   </p:cSld>
